--- a/b1分享.pptx
+++ b/b1分享.pptx
@@ -5,7 +5,7 @@
     <p:sldMasterId id="2147483659" r:id="rId1"/>
   </p:sldMasterIdLst>
   <p:notesMasterIdLst>
-    <p:notesMasterId r:id="rId17"/>
+    <p:notesMasterId r:id="rId20"/>
   </p:notesMasterIdLst>
   <p:sldIdLst>
     <p:sldId id="256" r:id="rId2"/>
@@ -20,9 +20,12 @@
     <p:sldId id="261" r:id="rId11"/>
     <p:sldId id="266" r:id="rId12"/>
     <p:sldId id="267" r:id="rId13"/>
-    <p:sldId id="262" r:id="rId14"/>
-    <p:sldId id="270" r:id="rId15"/>
-    <p:sldId id="263" r:id="rId16"/>
+    <p:sldId id="273" r:id="rId14"/>
+    <p:sldId id="262" r:id="rId15"/>
+    <p:sldId id="270" r:id="rId16"/>
+    <p:sldId id="272" r:id="rId17"/>
+    <p:sldId id="271" r:id="rId18"/>
+    <p:sldId id="263" r:id="rId19"/>
   </p:sldIdLst>
   <p:sldSz cx="9144000" cy="5143500" type="screen16x9"/>
   <p:notesSz cx="6858000" cy="9144000"/>
@@ -6554,6 +6557,22 @@
               <a:rPr lang="en-GB" dirty="0"/>
               <a:t>Visual Log</a:t>
             </a:r>
+          </a:p>
+          <a:p>
+            <a:pPr marL="457200" lvl="0" indent="-342900" algn="l" rtl="0">
+              <a:spcBef>
+                <a:spcPts val="0"/>
+              </a:spcBef>
+              <a:spcAft>
+                <a:spcPts val="0"/>
+              </a:spcAft>
+              <a:buSzPts val="1800"/>
+              <a:buChar char="●"/>
+            </a:pPr>
+            <a:r>
+              <a:rPr lang="en-GB" dirty="0" err="1"/>
+              <a:t>typedlua</a:t>
+            </a:r>
             <a:endParaRPr dirty="0"/>
           </a:p>
         </p:txBody>
@@ -6682,7 +6701,7 @@
             <a:pPr lvl="1"/>
             <a:r>
               <a:rPr lang="zh-CN" altLang="en-US" dirty="0"/>
-              <a:t>分帧执行</a:t>
+              <a:t>为复杂计算充分考虑性能：分帧执行</a:t>
             </a:r>
           </a:p>
         </p:txBody>
@@ -6816,6 +6835,164 @@
   <p:cSld>
     <p:spTree>
       <p:nvGrpSpPr>
+        <p:cNvPr id="1" name=""/>
+        <p:cNvGrpSpPr/>
+        <p:nvPr/>
+      </p:nvGrpSpPr>
+      <p:grpSpPr>
+        <a:xfrm>
+          <a:off x="0" y="0"/>
+          <a:ext cx="0" cy="0"/>
+          <a:chOff x="0" y="0"/>
+          <a:chExt cx="0" cy="0"/>
+        </a:xfrm>
+      </p:grpSpPr>
+      <p:sp>
+        <p:nvSpPr>
+          <p:cNvPr id="2" name="标题 1">
+            <a:extLst>
+              <a:ext uri="{FF2B5EF4-FFF2-40B4-BE49-F238E27FC236}">
+                <a16:creationId xmlns:a16="http://schemas.microsoft.com/office/drawing/2014/main" id="{819A69CD-A099-490B-9DFD-C0195DC08026}"/>
+              </a:ext>
+            </a:extLst>
+          </p:cNvPr>
+          <p:cNvSpPr>
+            <a:spLocks noGrp="1"/>
+          </p:cNvSpPr>
+          <p:nvPr>
+            <p:ph type="title"/>
+          </p:nvPr>
+        </p:nvSpPr>
+        <p:spPr/>
+        <p:txBody>
+          <a:bodyPr/>
+          <a:lstStyle/>
+          <a:p>
+            <a:r>
+              <a:rPr lang="en-US" altLang="zh-CN" dirty="0" err="1"/>
+              <a:t>typedlua</a:t>
+            </a:r>
+            <a:endParaRPr lang="zh-CN" altLang="en-US" dirty="0"/>
+          </a:p>
+        </p:txBody>
+      </p:sp>
+      <p:sp>
+        <p:nvSpPr>
+          <p:cNvPr id="3" name="文本占位符 2">
+            <a:extLst>
+              <a:ext uri="{FF2B5EF4-FFF2-40B4-BE49-F238E27FC236}">
+                <a16:creationId xmlns:a16="http://schemas.microsoft.com/office/drawing/2014/main" id="{C4B66665-6ED8-461A-8CCC-FB63ADFD9C0C}"/>
+              </a:ext>
+            </a:extLst>
+          </p:cNvPr>
+          <p:cNvSpPr>
+            <a:spLocks noGrp="1"/>
+          </p:cNvSpPr>
+          <p:nvPr>
+            <p:ph type="body" idx="1"/>
+          </p:nvPr>
+        </p:nvSpPr>
+        <p:spPr/>
+        <p:txBody>
+          <a:bodyPr/>
+          <a:lstStyle/>
+          <a:p>
+            <a:r>
+              <a:rPr lang="en-US" altLang="zh-CN" dirty="0" err="1"/>
+              <a:t>Typedlua</a:t>
+            </a:r>
+            <a:r>
+              <a:rPr lang="zh-CN" altLang="en-US" dirty="0"/>
+              <a:t>，一个可以检查更多编译错误的</a:t>
+            </a:r>
+            <a:r>
+              <a:rPr lang="en-US" altLang="zh-CN" dirty="0" err="1"/>
+              <a:t>lua</a:t>
+            </a:r>
+            <a:r>
+              <a:rPr lang="zh-CN" altLang="en-US" dirty="0"/>
+              <a:t>语言扩展</a:t>
+            </a:r>
+            <a:endParaRPr lang="en-US" altLang="zh-CN" dirty="0"/>
+          </a:p>
+          <a:p>
+            <a:pPr lvl="1"/>
+            <a:r>
+              <a:rPr lang="en-US" altLang="zh-CN" dirty="0"/>
+              <a:t>Lua</a:t>
+            </a:r>
+            <a:r>
+              <a:rPr lang="zh-CN" altLang="en-US" dirty="0"/>
+              <a:t>最大的痛苦：写错变量名，运行几分钟才知道</a:t>
+            </a:r>
+            <a:endParaRPr lang="en-US" altLang="zh-CN" dirty="0"/>
+          </a:p>
+          <a:p>
+            <a:r>
+              <a:rPr lang="zh-CN" altLang="en-US" dirty="0"/>
+              <a:t>结合</a:t>
+            </a:r>
+            <a:r>
+              <a:rPr lang="en-US" altLang="zh-CN" dirty="0"/>
+              <a:t>unreal-</a:t>
+            </a:r>
+            <a:r>
+              <a:rPr lang="en-US" altLang="zh-CN" dirty="0" err="1"/>
+              <a:t>slua</a:t>
+            </a:r>
+            <a:endParaRPr lang="en-US" altLang="zh-CN" dirty="0"/>
+          </a:p>
+          <a:p>
+            <a:pPr lvl="1"/>
+            <a:r>
+              <a:rPr lang="zh-CN" altLang="en-US" dirty="0"/>
+              <a:t>充分利用</a:t>
+            </a:r>
+            <a:r>
+              <a:rPr lang="en-US" altLang="zh-CN" dirty="0"/>
+              <a:t>unreal</a:t>
+            </a:r>
+            <a:r>
+              <a:rPr lang="zh-CN" altLang="en-US" dirty="0"/>
+              <a:t>对象高性能反射</a:t>
+            </a:r>
+            <a:endParaRPr lang="en-US" altLang="zh-CN" dirty="0"/>
+          </a:p>
+          <a:p>
+            <a:pPr lvl="1"/>
+            <a:r>
+              <a:rPr lang="zh-CN" altLang="en-US" dirty="0"/>
+              <a:t>与</a:t>
+            </a:r>
+            <a:r>
+              <a:rPr lang="en-US" altLang="zh-CN" dirty="0"/>
+              <a:t>C++</a:t>
+            </a:r>
+            <a:r>
+              <a:rPr lang="zh-CN" altLang="en-US" dirty="0"/>
+              <a:t>使用统一数据类型，一旦发现性能热点，可以有选择迁移逻辑，不需要把所有代码重写</a:t>
+            </a:r>
+          </a:p>
+        </p:txBody>
+      </p:sp>
+    </p:spTree>
+    <p:extLst>
+      <p:ext uri="{BB962C8B-B14F-4D97-AF65-F5344CB8AC3E}">
+        <p14:creationId xmlns:p14="http://schemas.microsoft.com/office/powerpoint/2010/main" val="1192423365"/>
+      </p:ext>
+    </p:extLst>
+  </p:cSld>
+  <p:clrMapOvr>
+    <a:masterClrMapping/>
+  </p:clrMapOvr>
+</p:sld>
+</file>
+
+<file path=ppt/slides/slide14.xml><?xml version="1.0" encoding="utf-8"?>
+<p:sld xmlns:a="http://schemas.openxmlformats.org/drawingml/2006/main" xmlns:r="http://schemas.openxmlformats.org/officeDocument/2006/relationships" xmlns:p="http://schemas.openxmlformats.org/presentationml/2006/main">
+  <p:cSld>
+    <p:spTree>
+      <p:nvGrpSpPr>
         <p:cNvPr id="1" name="Shape 89"/>
         <p:cNvGrpSpPr/>
         <p:nvPr/>
@@ -7023,7 +7200,7 @@
 </p:sld>
 </file>
 
-<file path=ppt/slides/slide14.xml><?xml version="1.0" encoding="utf-8"?>
+<file path=ppt/slides/slide15.xml><?xml version="1.0" encoding="utf-8"?>
 <p:sld xmlns:a="http://schemas.openxmlformats.org/drawingml/2006/main" xmlns:r="http://schemas.openxmlformats.org/officeDocument/2006/relationships" xmlns:p="http://schemas.openxmlformats.org/presentationml/2006/main">
   <p:cSld>
     <p:spTree>
@@ -7106,7 +7283,305 @@
 </p:sld>
 </file>
 
-<file path=ppt/slides/slide15.xml><?xml version="1.0" encoding="utf-8"?>
+<file path=ppt/slides/slide16.xml><?xml version="1.0" encoding="utf-8"?>
+<p:sld xmlns:a="http://schemas.openxmlformats.org/drawingml/2006/main" xmlns:r="http://schemas.openxmlformats.org/officeDocument/2006/relationships" xmlns:p="http://schemas.openxmlformats.org/presentationml/2006/main">
+  <p:cSld>
+    <p:spTree>
+      <p:nvGrpSpPr>
+        <p:cNvPr id="1" name=""/>
+        <p:cNvGrpSpPr/>
+        <p:nvPr/>
+      </p:nvGrpSpPr>
+      <p:grpSpPr>
+        <a:xfrm>
+          <a:off x="0" y="0"/>
+          <a:ext cx="0" cy="0"/>
+          <a:chOff x="0" y="0"/>
+          <a:chExt cx="0" cy="0"/>
+        </a:xfrm>
+      </p:grpSpPr>
+      <p:sp>
+        <p:nvSpPr>
+          <p:cNvPr id="2" name="标题 1">
+            <a:extLst>
+              <a:ext uri="{FF2B5EF4-FFF2-40B4-BE49-F238E27FC236}">
+                <a16:creationId xmlns:a16="http://schemas.microsoft.com/office/drawing/2014/main" id="{25D7E775-B4D3-40BD-9643-1765F8B40FD4}"/>
+              </a:ext>
+            </a:extLst>
+          </p:cNvPr>
+          <p:cNvSpPr>
+            <a:spLocks noGrp="1"/>
+          </p:cNvSpPr>
+          <p:nvPr>
+            <p:ph type="title"/>
+          </p:nvPr>
+        </p:nvSpPr>
+        <p:spPr/>
+        <p:txBody>
+          <a:bodyPr/>
+          <a:lstStyle/>
+          <a:p>
+            <a:r>
+              <a:rPr lang="zh-CN" altLang="en-US" dirty="0"/>
+              <a:t>骨骼操作</a:t>
+            </a:r>
+          </a:p>
+        </p:txBody>
+      </p:sp>
+      <p:sp>
+        <p:nvSpPr>
+          <p:cNvPr id="3" name="文本占位符 2">
+            <a:extLst>
+              <a:ext uri="{FF2B5EF4-FFF2-40B4-BE49-F238E27FC236}">
+                <a16:creationId xmlns:a16="http://schemas.microsoft.com/office/drawing/2014/main" id="{F744DBBE-CF8E-4F0A-A806-AF0F5A75C7AA}"/>
+              </a:ext>
+            </a:extLst>
+          </p:cNvPr>
+          <p:cNvSpPr>
+            <a:spLocks noGrp="1"/>
+          </p:cNvSpPr>
+          <p:nvPr>
+            <p:ph type="body" idx="1"/>
+          </p:nvPr>
+        </p:nvSpPr>
+        <p:spPr/>
+        <p:txBody>
+          <a:bodyPr/>
+          <a:lstStyle/>
+          <a:p>
+            <a:r>
+              <a:rPr lang="zh-CN" altLang="en-US" dirty="0"/>
+              <a:t>人形角色</a:t>
+            </a:r>
+            <a:endParaRPr lang="en-US" altLang="zh-CN" dirty="0"/>
+          </a:p>
+          <a:p>
+            <a:pPr lvl="1"/>
+            <a:r>
+              <a:rPr lang="en-US" altLang="zh-CN" dirty="0"/>
+              <a:t>Speed warping</a:t>
+            </a:r>
+          </a:p>
+          <a:p>
+            <a:pPr lvl="1"/>
+            <a:r>
+              <a:rPr lang="zh-CN" altLang="en-US" dirty="0"/>
+              <a:t>转胯</a:t>
+            </a:r>
+            <a:endParaRPr lang="en-US" altLang="zh-CN" dirty="0"/>
+          </a:p>
+          <a:p>
+            <a:r>
+              <a:rPr lang="zh-CN" altLang="en-US" dirty="0"/>
+              <a:t>四足兽形</a:t>
+            </a:r>
+            <a:endParaRPr lang="en-US" altLang="zh-CN" dirty="0"/>
+          </a:p>
+          <a:p>
+            <a:pPr lvl="1"/>
+            <a:r>
+              <a:rPr lang="zh-CN" altLang="en-US" dirty="0"/>
+              <a:t>转脊椎</a:t>
+            </a:r>
+            <a:endParaRPr lang="en-US" altLang="zh-CN" dirty="0"/>
+          </a:p>
+          <a:p>
+            <a:pPr lvl="1"/>
+            <a:r>
+              <a:rPr lang="zh-CN" altLang="en-US" dirty="0"/>
+              <a:t>撕咬扭头</a:t>
+            </a:r>
+            <a:endParaRPr lang="en-US" altLang="zh-CN" dirty="0"/>
+          </a:p>
+          <a:p>
+            <a:pPr lvl="1"/>
+            <a:r>
+              <a:rPr lang="zh-CN" altLang="en-US" dirty="0"/>
+              <a:t>绕轴转身</a:t>
+            </a:r>
+            <a:endParaRPr lang="en-US" altLang="zh-CN" dirty="0"/>
+          </a:p>
+          <a:p>
+            <a:pPr lvl="1"/>
+            <a:r>
+              <a:rPr lang="zh-CN" altLang="en-US" dirty="0"/>
+              <a:t>防滑步</a:t>
+            </a:r>
+            <a:endParaRPr lang="en-US" altLang="zh-CN" dirty="0"/>
+          </a:p>
+          <a:p>
+            <a:pPr lvl="1"/>
+            <a:endParaRPr lang="en-US" altLang="zh-CN" dirty="0"/>
+          </a:p>
+          <a:p>
+            <a:endParaRPr lang="zh-CN" altLang="en-US" dirty="0"/>
+          </a:p>
+        </p:txBody>
+      </p:sp>
+    </p:spTree>
+    <p:extLst>
+      <p:ext uri="{BB962C8B-B14F-4D97-AF65-F5344CB8AC3E}">
+        <p14:creationId xmlns:p14="http://schemas.microsoft.com/office/powerpoint/2010/main" val="1071588999"/>
+      </p:ext>
+    </p:extLst>
+  </p:cSld>
+  <p:clrMapOvr>
+    <a:masterClrMapping/>
+  </p:clrMapOvr>
+</p:sld>
+</file>
+
+<file path=ppt/slides/slide17.xml><?xml version="1.0" encoding="utf-8"?>
+<p:sld xmlns:a="http://schemas.openxmlformats.org/drawingml/2006/main" xmlns:r="http://schemas.openxmlformats.org/officeDocument/2006/relationships" xmlns:p="http://schemas.openxmlformats.org/presentationml/2006/main">
+  <p:cSld>
+    <p:spTree>
+      <p:nvGrpSpPr>
+        <p:cNvPr id="1" name=""/>
+        <p:cNvGrpSpPr/>
+        <p:nvPr/>
+      </p:nvGrpSpPr>
+      <p:grpSpPr>
+        <a:xfrm>
+          <a:off x="0" y="0"/>
+          <a:ext cx="0" cy="0"/>
+          <a:chOff x="0" y="0"/>
+          <a:chExt cx="0" cy="0"/>
+        </a:xfrm>
+      </p:grpSpPr>
+      <p:sp>
+        <p:nvSpPr>
+          <p:cNvPr id="2" name="标题 1">
+            <a:extLst>
+              <a:ext uri="{FF2B5EF4-FFF2-40B4-BE49-F238E27FC236}">
+                <a16:creationId xmlns:a16="http://schemas.microsoft.com/office/drawing/2014/main" id="{02DCA1CF-D2FF-44A5-8957-75888C9AC057}"/>
+              </a:ext>
+            </a:extLst>
+          </p:cNvPr>
+          <p:cNvSpPr>
+            <a:spLocks noGrp="1"/>
+          </p:cNvSpPr>
+          <p:nvPr>
+            <p:ph type="title"/>
+          </p:nvPr>
+        </p:nvSpPr>
+        <p:spPr/>
+        <p:txBody>
+          <a:bodyPr/>
+          <a:lstStyle/>
+          <a:p>
+            <a:r>
+              <a:rPr lang="en-US" altLang="zh-CN" dirty="0"/>
+              <a:t>Motion Matching</a:t>
+            </a:r>
+            <a:endParaRPr lang="zh-CN" altLang="en-US" dirty="0"/>
+          </a:p>
+        </p:txBody>
+      </p:sp>
+      <p:sp>
+        <p:nvSpPr>
+          <p:cNvPr id="3" name="文本占位符 2">
+            <a:extLst>
+              <a:ext uri="{FF2B5EF4-FFF2-40B4-BE49-F238E27FC236}">
+                <a16:creationId xmlns:a16="http://schemas.microsoft.com/office/drawing/2014/main" id="{3AD84E4A-FCF7-495E-9530-44663035CF04}"/>
+              </a:ext>
+            </a:extLst>
+          </p:cNvPr>
+          <p:cNvSpPr>
+            <a:spLocks noGrp="1"/>
+          </p:cNvSpPr>
+          <p:nvPr>
+            <p:ph type="body" idx="1"/>
+          </p:nvPr>
+        </p:nvSpPr>
+        <p:spPr/>
+        <p:txBody>
+          <a:bodyPr/>
+          <a:lstStyle/>
+          <a:p>
+            <a:r>
+              <a:rPr lang="zh-CN" altLang="en-US" dirty="0"/>
+              <a:t>一种全新的制作复杂</a:t>
+            </a:r>
+            <a:r>
+              <a:rPr lang="en-US" altLang="zh-CN" dirty="0"/>
+              <a:t>game play</a:t>
+            </a:r>
+            <a:r>
+              <a:rPr lang="zh-CN" altLang="en-US" dirty="0"/>
+              <a:t>动画的流程</a:t>
+            </a:r>
+            <a:endParaRPr lang="en-US" altLang="zh-CN" dirty="0"/>
+          </a:p>
+          <a:p>
+            <a:pPr lvl="1"/>
+            <a:r>
+              <a:rPr lang="zh-CN" altLang="en-US" dirty="0"/>
+              <a:t>录一大段包含跑步、转身、平移的动画</a:t>
+            </a:r>
+            <a:endParaRPr lang="en-US" altLang="zh-CN" dirty="0"/>
+          </a:p>
+          <a:p>
+            <a:pPr lvl="1"/>
+            <a:r>
+              <a:rPr lang="zh-CN" altLang="en-US" dirty="0"/>
+              <a:t>程序分析动画每帧的速度、转角等关键信息</a:t>
+            </a:r>
+            <a:endParaRPr lang="en-US" altLang="zh-CN" dirty="0"/>
+          </a:p>
+          <a:p>
+            <a:pPr lvl="1"/>
+            <a:r>
+              <a:rPr lang="zh-CN" altLang="en-US" dirty="0"/>
+              <a:t>游戏中根据用户操作自动匹配最合适的动画</a:t>
+            </a:r>
+            <a:endParaRPr lang="en-US" altLang="zh-CN" dirty="0"/>
+          </a:p>
+          <a:p>
+            <a:r>
+              <a:rPr lang="zh-CN" altLang="en-US" dirty="0"/>
+              <a:t>优点</a:t>
+            </a:r>
+            <a:endParaRPr lang="en-US" altLang="zh-CN" dirty="0"/>
+          </a:p>
+          <a:p>
+            <a:pPr lvl="1"/>
+            <a:r>
+              <a:rPr lang="zh-CN" altLang="en-US" dirty="0"/>
+              <a:t>免去复杂的状态机、骨骼操作处理</a:t>
+            </a:r>
+            <a:endParaRPr lang="en-US" altLang="zh-CN" dirty="0"/>
+          </a:p>
+          <a:p>
+            <a:pPr lvl="1"/>
+            <a:r>
+              <a:rPr lang="zh-CN" altLang="en-US" dirty="0"/>
+              <a:t>动作自然、高品质</a:t>
+            </a:r>
+            <a:endParaRPr lang="en-US" altLang="zh-CN" dirty="0"/>
+          </a:p>
+          <a:p>
+            <a:pPr lvl="1"/>
+            <a:r>
+              <a:rPr lang="zh-CN" altLang="en-US" dirty="0"/>
+              <a:t>非常适合动作捕捉</a:t>
+            </a:r>
+          </a:p>
+        </p:txBody>
+      </p:sp>
+    </p:spTree>
+    <p:extLst>
+      <p:ext uri="{BB962C8B-B14F-4D97-AF65-F5344CB8AC3E}">
+        <p14:creationId xmlns:p14="http://schemas.microsoft.com/office/powerpoint/2010/main" val="4215987178"/>
+      </p:ext>
+    </p:extLst>
+  </p:cSld>
+  <p:clrMapOvr>
+    <a:masterClrMapping/>
+  </p:clrMapOvr>
+</p:sld>
+</file>
+
+<file path=ppt/slides/slide18.xml><?xml version="1.0" encoding="utf-8"?>
 <p:sld xmlns:a="http://schemas.openxmlformats.org/drawingml/2006/main" xmlns:r="http://schemas.openxmlformats.org/officeDocument/2006/relationships" xmlns:p="http://schemas.openxmlformats.org/presentationml/2006/main">
   <p:cSld>
     <p:spTree>
@@ -7498,8 +7973,36 @@
               <a:buChar char="○"/>
             </a:pPr>
             <a:r>
+              <a:rPr lang="en-US" dirty="0"/>
+              <a:t>10</a:t>
+            </a:r>
+            <a:r>
+              <a:rPr lang="zh-CN" altLang="en-US" dirty="0"/>
+              <a:t>年里，</a:t>
+            </a:r>
+            <a:r>
+              <a:rPr lang="en-GB" dirty="0" err="1"/>
+              <a:t>GPU持续以</a:t>
+            </a:r>
+            <a:r>
+              <a:rPr lang="zh-CN" altLang="en-US" dirty="0"/>
+              <a:t>平均</a:t>
+            </a:r>
+            <a:r>
+              <a:rPr lang="en-GB" dirty="0" err="1"/>
+              <a:t>每年</a:t>
+            </a:r>
+            <a:r>
+              <a:rPr lang="zh-CN" altLang="en-US"/>
+              <a:t>超过</a:t>
+            </a:r>
+            <a:r>
+              <a:rPr lang="en-GB"/>
+              <a:t>50</a:t>
+            </a:r>
+            <a:r>
               <a:rPr lang="en-GB" dirty="0"/>
-              <a:t>GPU近年持续以每年50%的水平提升</a:t>
+              <a:t>%的水平提升</a:t>
             </a:r>
             <a:endParaRPr dirty="0"/>
           </a:p>
